--- a/Презентация.pptx
+++ b/Презентация.pptx
@@ -12873,11 +12873,17 @@
         <p:nvGraphicFramePr>
           <p:cNvPr id="142" name="Google Shape;142;p25"/>
           <p:cNvGraphicFramePr/>
-          <p:nvPr/>
+          <p:nvPr>
+            <p:extLst>
+              <p:ext uri="{D42A27DB-BD31-4B8C-83A1-F6EECF244321}">
+                <p14:modId xmlns:p14="http://schemas.microsoft.com/office/powerpoint/2010/main" val="1155908564"/>
+              </p:ext>
+            </p:extLst>
+          </p:nvPr>
         </p:nvGraphicFramePr>
         <p:xfrm>
           <a:off x="952500" y="1544194"/>
-          <a:ext cx="7239000" cy="1459952"/>
+          <a:ext cx="7239000" cy="2763482"/>
         </p:xfrm>
         <a:graphic>
           <a:graphicData uri="http://schemas.openxmlformats.org/drawingml/2006/table">
@@ -12906,7 +12912,7 @@
                         <a:buNone/>
                       </a:pPr>
                       <a:r>
-                        <a:rPr lang="ru" sz="1300" b="1">
+                        <a:rPr lang="ru" sz="1300" b="1" dirty="0">
                           <a:solidFill>
                             <a:srgbClr val="FF9900"/>
                           </a:solidFill>
@@ -12917,7 +12923,7 @@
                         </a:rPr>
                         <a:t>1.</a:t>
                       </a:r>
-                      <a:endParaRPr sz="1300" b="1">
+                      <a:endParaRPr sz="1300" b="1" dirty="0">
                         <a:solidFill>
                           <a:srgbClr val="FF9900"/>
                         </a:solidFill>
@@ -12990,7 +12996,61 @@
                         </a:spcAft>
                         <a:buNone/>
                       </a:pPr>
-                      <a:endParaRPr sz="1300">
+                      <a:r>
+                        <a:rPr lang="ru-RU" sz="1300" dirty="0" smtClean="0">
+                          <a:latin typeface="Roboto"/>
+                          <a:ea typeface="Roboto"/>
+                          <a:cs typeface="Roboto"/>
+                          <a:sym typeface="Roboto"/>
+                        </a:rPr>
+                        <a:t>Подход</a:t>
+                      </a:r>
+                      <a:r>
+                        <a:rPr lang="ru-RU" sz="1300" baseline="0" dirty="0" smtClean="0">
+                          <a:latin typeface="Roboto"/>
+                          <a:ea typeface="Roboto"/>
+                          <a:cs typeface="Roboto"/>
+                          <a:sym typeface="Roboto"/>
+                        </a:rPr>
+                        <a:t> </a:t>
+                      </a:r>
+                      <a:r>
+                        <a:rPr lang="en-US" sz="1300" b="0" i="0" u="none" strike="noStrike" cap="none" dirty="0" smtClean="0">
+                          <a:solidFill>
+                            <a:srgbClr val="000000"/>
+                          </a:solidFill>
+                          <a:latin typeface="Roboto"/>
+                          <a:ea typeface="Roboto"/>
+                          <a:cs typeface="Roboto"/>
+                          <a:sym typeface="Arial"/>
+                        </a:rPr>
+                        <a:t>Infrastructure as a code</a:t>
+                      </a:r>
+                      <a:r>
+                        <a:rPr lang="ru-RU" sz="1300" b="0" i="0" u="none" strike="noStrike" cap="none" dirty="0" smtClean="0">
+                          <a:solidFill>
+                            <a:srgbClr val="000000"/>
+                          </a:solidFill>
+                          <a:latin typeface="Roboto"/>
+                          <a:ea typeface="Roboto"/>
+                          <a:cs typeface="Roboto"/>
+                          <a:sym typeface="Arial"/>
+                        </a:rPr>
+                        <a:t> позволил создать воспроизводимую продуктивную среду</a:t>
+                      </a:r>
+                      <a:r>
+                        <a:rPr lang="ru-RU" sz="1300" b="0" i="0" u="none" strike="noStrike" cap="none" baseline="0" dirty="0" smtClean="0">
+                          <a:solidFill>
+                            <a:srgbClr val="000000"/>
+                          </a:solidFill>
+                          <a:latin typeface="Roboto"/>
+                          <a:ea typeface="Roboto"/>
+                          <a:cs typeface="Roboto"/>
+                          <a:sym typeface="Arial"/>
+                        </a:rPr>
+                        <a:t> для платежного приложения. А так же аналогичную среду разработки и нагрузочную среду.</a:t>
+                      </a:r>
+                      <a:endParaRPr sz="1300" dirty="0">
                         <a:latin typeface="Roboto"/>
                         <a:ea typeface="Roboto"/>
                         <a:cs typeface="Roboto"/>
@@ -13142,7 +13202,34 @@
                         </a:spcAft>
                         <a:buNone/>
                       </a:pPr>
-                      <a:endParaRPr sz="1300">
+                      <a:r>
+                        <a:rPr lang="ru-RU" sz="1300" b="0" i="0" u="none" strike="noStrike" cap="none" dirty="0" smtClean="0">
+                          <a:solidFill>
+                            <a:srgbClr val="000000"/>
+                          </a:solidFill>
+                          <a:latin typeface="Roboto"/>
+                          <a:ea typeface="Roboto"/>
+                          <a:cs typeface="Roboto"/>
+                          <a:sym typeface="Roboto"/>
+                        </a:rPr>
+                        <a:t>Реализовано предварительное тестирование разворачиваемой</a:t>
+                      </a:r>
+                      <a:r>
+                        <a:rPr lang="ru-RU" sz="1300" b="0" i="0" u="none" strike="noStrike" cap="none" baseline="0" dirty="0" smtClean="0">
+                          <a:solidFill>
+                            <a:srgbClr val="000000"/>
+                          </a:solidFill>
+                          <a:latin typeface="Roboto"/>
+                          <a:ea typeface="Roboto"/>
+                          <a:cs typeface="Roboto"/>
+                          <a:sym typeface="Roboto"/>
+                        </a:rPr>
+                        <a:t> среду, обнаружение ошибки при тестировании не влияет на работающие среды (продуктивную, разработки и нагрузочную)</a:t>
+                      </a:r>
+                      <a:endParaRPr sz="1300" b="0" i="0" u="none" strike="noStrike" cap="none" dirty="0">
+                        <a:solidFill>
+                          <a:srgbClr val="000000"/>
+                        </a:solidFill>
                         <a:latin typeface="Roboto"/>
                         <a:ea typeface="Roboto"/>
                         <a:cs typeface="Roboto"/>
@@ -13280,7 +13367,7 @@
                     <a:bodyPr/>
                     <a:lstStyle/>
                     <a:p>
-                      <a:pPr marL="0" lvl="0" indent="0" algn="l" rtl="0">
+                      <a:pPr marL="0" marR="0" lvl="0" indent="0" algn="l" defTabSz="914400" rtl="0" eaLnBrk="1" fontAlgn="auto" latinLnBrk="0" hangingPunct="1">
                         <a:lnSpc>
                           <a:spcPct val="115000"/>
                         </a:lnSpc>
@@ -13290,9 +13377,52 @@
                         <a:spcAft>
                           <a:spcPts val="0"/>
                         </a:spcAft>
+                        <a:buClr>
+                          <a:srgbClr val="000000"/>
+                        </a:buClr>
+                        <a:buSzTx/>
+                        <a:buFont typeface="Arial"/>
                         <a:buNone/>
+                        <a:tabLst/>
+                        <a:defRPr/>
                       </a:pPr>
-                      <a:endParaRPr sz="1300">
+                      <a:r>
+                        <a:rPr lang="ru-RU" sz="1300" dirty="0" smtClean="0">
+                          <a:latin typeface="Roboto"/>
+                          <a:ea typeface="Roboto"/>
+                          <a:cs typeface="Roboto"/>
+                          <a:sym typeface="Roboto"/>
+                        </a:rPr>
+                        <a:t>Производится</a:t>
+                      </a:r>
+                      <a:r>
+                        <a:rPr lang="ru-RU" sz="1300" baseline="0" dirty="0" smtClean="0">
+                          <a:latin typeface="Roboto"/>
+                          <a:ea typeface="Roboto"/>
+                          <a:cs typeface="Roboto"/>
+                          <a:sym typeface="Roboto"/>
+                        </a:rPr>
+                        <a:t> настройка не только виртуальных машин, но и программного обеспечения необходимого для работы приложения (СУБД и </a:t>
+                      </a:r>
+                      <a:r>
+                        <a:rPr lang="ru-RU" sz="1300" baseline="0" dirty="0" err="1" smtClean="0">
+                          <a:latin typeface="Roboto"/>
+                          <a:ea typeface="Roboto"/>
+                          <a:cs typeface="Roboto"/>
+                          <a:sym typeface="Roboto"/>
+                        </a:rPr>
+                        <a:t>тд</a:t>
+                      </a:r>
+                      <a:r>
+                        <a:rPr lang="ru-RU" sz="1300" baseline="0" smtClean="0">
+                          <a:latin typeface="Roboto"/>
+                          <a:ea typeface="Roboto"/>
+                          <a:cs typeface="Roboto"/>
+                          <a:sym typeface="Roboto"/>
+                        </a:rPr>
+                        <a:t>)</a:t>
+                      </a:r>
+                      <a:endParaRPr sz="1300" dirty="0">
                         <a:latin typeface="Roboto"/>
                         <a:ea typeface="Roboto"/>
                         <a:cs typeface="Roboto"/>
@@ -13430,7 +13560,7 @@
                     <a:bodyPr/>
                     <a:lstStyle/>
                     <a:p>
-                      <a:pPr marL="0" lvl="0" indent="0" algn="l" rtl="0">
+                      <a:pPr marL="0" marR="0" lvl="0" indent="0" algn="l" defTabSz="914400" rtl="0" eaLnBrk="1" fontAlgn="auto" latinLnBrk="0" hangingPunct="1">
                         <a:lnSpc>
                           <a:spcPct val="115000"/>
                         </a:lnSpc>
@@ -13440,9 +13570,52 @@
                         <a:spcAft>
                           <a:spcPts val="0"/>
                         </a:spcAft>
+                        <a:buClr>
+                          <a:srgbClr val="000000"/>
+                        </a:buClr>
+                        <a:buSzTx/>
+                        <a:buFont typeface="Arial"/>
                         <a:buNone/>
+                        <a:tabLst/>
+                        <a:defRPr/>
                       </a:pPr>
-                      <a:endParaRPr sz="1300">
+                      <a:r>
+                        <a:rPr lang="ru-RU" sz="1300" dirty="0" smtClean="0">
+                          <a:latin typeface="Roboto"/>
+                          <a:ea typeface="Roboto"/>
+                          <a:cs typeface="Roboto"/>
+                          <a:sym typeface="Roboto"/>
+                        </a:rPr>
+                        <a:t>Любую</a:t>
+                      </a:r>
+                      <a:r>
+                        <a:rPr lang="ru-RU" sz="1300" baseline="0" dirty="0" smtClean="0">
+                          <a:latin typeface="Roboto"/>
+                          <a:ea typeface="Roboto"/>
+                          <a:cs typeface="Roboto"/>
+                          <a:sym typeface="Roboto"/>
+                        </a:rPr>
+                        <a:t> среду можно масштабировать и/или </a:t>
+                      </a:r>
+                      <a:r>
+                        <a:rPr lang="ru-RU" sz="1300" baseline="0" dirty="0" err="1" smtClean="0">
+                          <a:latin typeface="Roboto"/>
+                          <a:ea typeface="Roboto"/>
+                          <a:cs typeface="Roboto"/>
+                          <a:sym typeface="Roboto"/>
+                        </a:rPr>
+                        <a:t>переиспользовать</a:t>
+                      </a:r>
+                      <a:r>
+                        <a:rPr lang="ru-RU" sz="1300" baseline="0" dirty="0" smtClean="0">
+                          <a:latin typeface="Roboto"/>
+                          <a:ea typeface="Roboto"/>
+                          <a:cs typeface="Roboto"/>
+                          <a:sym typeface="Roboto"/>
+                        </a:rPr>
+                        <a:t> в другом проекте с минимальными затратами</a:t>
+                      </a:r>
+                      <a:endParaRPr lang="ru-RU" sz="1300" dirty="0" smtClean="0">
                         <a:latin typeface="Roboto"/>
                         <a:ea typeface="Roboto"/>
                         <a:cs typeface="Roboto"/>
@@ -13498,75 +13671,6 @@
           </a:graphicData>
         </a:graphic>
       </p:graphicFrame>
-      <p:sp>
-        <p:nvSpPr>
-          <p:cNvPr id="143" name="Google Shape;143;p25"/>
-          <p:cNvSpPr/>
-          <p:nvPr/>
-        </p:nvSpPr>
-        <p:spPr>
-          <a:xfrm>
-            <a:off x="4934400" y="3763050"/>
-            <a:ext cx="3257100" cy="644700"/>
-          </a:xfrm>
-          <a:prstGeom prst="wedgeRectCallout">
-            <a:avLst>
-              <a:gd name="adj1" fmla="val -32765"/>
-              <a:gd name="adj2" fmla="val -96401"/>
-            </a:avLst>
-          </a:prstGeom>
-          <a:solidFill>
-            <a:srgbClr val="F3F3F3"/>
-          </a:solidFill>
-          <a:ln w="9525" cap="flat" cmpd="sng">
-            <a:solidFill>
-              <a:schemeClr val="dk1"/>
-            </a:solidFill>
-            <a:prstDash val="solid"/>
-            <a:round/>
-            <a:headEnd type="none" w="sm" len="sm"/>
-            <a:tailEnd type="none" w="sm" len="sm"/>
-          </a:ln>
-        </p:spPr>
-        <p:txBody>
-          <a:bodyPr spcFirstLastPara="1" wrap="square" lIns="198000" tIns="126000" rIns="198000" bIns="126000" anchor="ctr" anchorCtr="0">
-            <a:noAutofit/>
-          </a:bodyPr>
-          <a:lstStyle/>
-          <a:p>
-            <a:pPr marL="0" lvl="0" indent="0" algn="l" rtl="0">
-              <a:spcBef>
-                <a:spcPts val="600"/>
-              </a:spcBef>
-              <a:spcAft>
-                <a:spcPts val="0"/>
-              </a:spcAft>
-              <a:buNone/>
-            </a:pPr>
-            <a:r>
-              <a:rPr lang="ru" sz="1100">
-                <a:solidFill>
-                  <a:schemeClr val="dk1"/>
-                </a:solidFill>
-                <a:latin typeface="Roboto"/>
-                <a:ea typeface="Roboto"/>
-                <a:cs typeface="Roboto"/>
-                <a:sym typeface="Roboto"/>
-              </a:rPr>
-              <a:t>Запланируйте пару минут на рефлексию в конце защиты проекта и расскажите о планах по развитию</a:t>
-            </a:r>
-            <a:endParaRPr sz="700">
-              <a:solidFill>
-                <a:schemeClr val="dk1"/>
-              </a:solidFill>
-              <a:latin typeface="Roboto"/>
-              <a:ea typeface="Roboto"/>
-              <a:cs typeface="Roboto"/>
-              <a:sym typeface="Roboto"/>
-            </a:endParaRPr>
-          </a:p>
-        </p:txBody>
-      </p:sp>
     </p:spTree>
   </p:cSld>
   <p:clrMapOvr>
@@ -17270,19 +17374,10 @@
             </a:endParaRPr>
           </a:p>
           <a:p>
-            <a:pPr marL="457200" lvl="0" indent="-317500" algn="l" rtl="0">
+            <a:pPr marL="457200" lvl="0" indent="-317500">
               <a:lnSpc>
                 <a:spcPct val="90000"/>
               </a:lnSpc>
-              <a:spcBef>
-                <a:spcPts val="0"/>
-              </a:spcBef>
-              <a:spcAft>
-                <a:spcPts val="0"/>
-              </a:spcAft>
-              <a:buClr>
-                <a:srgbClr val="000000"/>
-              </a:buClr>
               <a:buSzPts val="1400"/>
               <a:buFont typeface="Roboto"/>
               <a:buAutoNum type="arabicPeriod"/>
@@ -17310,6 +17405,24 @@
                 <a:sym typeface="Roboto"/>
               </a:rPr>
               <a:t> - </a:t>
+            </a:r>
+            <a:r>
+              <a:rPr lang="en-US" dirty="0">
+                <a:latin typeface="Roboto"/>
+                <a:ea typeface="Roboto"/>
+                <a:cs typeface="Roboto"/>
+                <a:sym typeface="Roboto"/>
+              </a:rPr>
+              <a:t>https://</a:t>
+            </a:r>
+            <a:r>
+              <a:rPr lang="en-US" dirty="0" smtClean="0">
+                <a:latin typeface="Roboto"/>
+                <a:ea typeface="Roboto"/>
+                <a:cs typeface="Roboto"/>
+                <a:sym typeface="Roboto"/>
+              </a:rPr>
+              <a:t>github.com/anton20044/IaC_FinalProject</a:t>
             </a:r>
             <a:endParaRPr dirty="0">
               <a:solidFill>
